--- a/Kubernetes.pptx
+++ b/Kubernetes.pptx
@@ -289,7 +289,7 @@
           <a:p>
             <a:fld id="{7C8E5134-268F-4170-854E-CDC8CDBAC006}" type="datetimeFigureOut">
               <a:rPr lang="en-US" smtClean="0"/>
-              <a:t>12-May-23</a:t>
+              <a:t>15-May-23</a:t>
             </a:fld>
             <a:endParaRPr lang="en-US"/>
           </a:p>
@@ -487,7 +487,7 @@
           <a:p>
             <a:fld id="{7C8E5134-268F-4170-854E-CDC8CDBAC006}" type="datetimeFigureOut">
               <a:rPr lang="en-US" smtClean="0"/>
-              <a:t>12-May-23</a:t>
+              <a:t>15-May-23</a:t>
             </a:fld>
             <a:endParaRPr lang="en-US"/>
           </a:p>
@@ -695,7 +695,7 @@
           <a:p>
             <a:fld id="{7C8E5134-268F-4170-854E-CDC8CDBAC006}" type="datetimeFigureOut">
               <a:rPr lang="en-US" smtClean="0"/>
-              <a:t>12-May-23</a:t>
+              <a:t>15-May-23</a:t>
             </a:fld>
             <a:endParaRPr lang="en-US"/>
           </a:p>
@@ -893,7 +893,7 @@
           <a:p>
             <a:fld id="{7C8E5134-268F-4170-854E-CDC8CDBAC006}" type="datetimeFigureOut">
               <a:rPr lang="en-US" smtClean="0"/>
-              <a:t>12-May-23</a:t>
+              <a:t>15-May-23</a:t>
             </a:fld>
             <a:endParaRPr lang="en-US"/>
           </a:p>
@@ -1168,7 +1168,7 @@
           <a:p>
             <a:fld id="{7C8E5134-268F-4170-854E-CDC8CDBAC006}" type="datetimeFigureOut">
               <a:rPr lang="en-US" smtClean="0"/>
-              <a:t>12-May-23</a:t>
+              <a:t>15-May-23</a:t>
             </a:fld>
             <a:endParaRPr lang="en-US"/>
           </a:p>
@@ -1433,7 +1433,7 @@
           <a:p>
             <a:fld id="{7C8E5134-268F-4170-854E-CDC8CDBAC006}" type="datetimeFigureOut">
               <a:rPr lang="en-US" smtClean="0"/>
-              <a:t>12-May-23</a:t>
+              <a:t>15-May-23</a:t>
             </a:fld>
             <a:endParaRPr lang="en-US"/>
           </a:p>
@@ -1845,7 +1845,7 @@
           <a:p>
             <a:fld id="{7C8E5134-268F-4170-854E-CDC8CDBAC006}" type="datetimeFigureOut">
               <a:rPr lang="en-US" smtClean="0"/>
-              <a:t>12-May-23</a:t>
+              <a:t>15-May-23</a:t>
             </a:fld>
             <a:endParaRPr lang="en-US"/>
           </a:p>
@@ -1986,7 +1986,7 @@
           <a:p>
             <a:fld id="{7C8E5134-268F-4170-854E-CDC8CDBAC006}" type="datetimeFigureOut">
               <a:rPr lang="en-US" smtClean="0"/>
-              <a:t>12-May-23</a:t>
+              <a:t>15-May-23</a:t>
             </a:fld>
             <a:endParaRPr lang="en-US"/>
           </a:p>
@@ -2099,7 +2099,7 @@
           <a:p>
             <a:fld id="{7C8E5134-268F-4170-854E-CDC8CDBAC006}" type="datetimeFigureOut">
               <a:rPr lang="en-US" smtClean="0"/>
-              <a:t>12-May-23</a:t>
+              <a:t>15-May-23</a:t>
             </a:fld>
             <a:endParaRPr lang="en-US"/>
           </a:p>
@@ -2410,7 +2410,7 @@
           <a:p>
             <a:fld id="{7C8E5134-268F-4170-854E-CDC8CDBAC006}" type="datetimeFigureOut">
               <a:rPr lang="en-US" smtClean="0"/>
-              <a:t>12-May-23</a:t>
+              <a:t>15-May-23</a:t>
             </a:fld>
             <a:endParaRPr lang="en-US"/>
           </a:p>
@@ -2698,7 +2698,7 @@
           <a:p>
             <a:fld id="{7C8E5134-268F-4170-854E-CDC8CDBAC006}" type="datetimeFigureOut">
               <a:rPr lang="en-US" smtClean="0"/>
-              <a:t>12-May-23</a:t>
+              <a:t>15-May-23</a:t>
             </a:fld>
             <a:endParaRPr lang="en-US"/>
           </a:p>
@@ -2939,7 +2939,7 @@
           <a:p>
             <a:fld id="{7C8E5134-268F-4170-854E-CDC8CDBAC006}" type="datetimeFigureOut">
               <a:rPr lang="en-US" smtClean="0"/>
-              <a:t>12-May-23</a:t>
+              <a:t>15-May-23</a:t>
             </a:fld>
             <a:endParaRPr lang="en-US"/>
           </a:p>
